--- a/Analysis/Feb11/KK_Simstudy.pptx
+++ b/Analysis/Feb11/KK_Simstudy.pptx
@@ -107,6 +107,11 @@
       </a:defRPr>
     </a:lvl9pPr>
   </p:defaultTextStyle>
+  <p:extLst>
+    <p:ext uri="{EFAFB233-063F-42B5-8137-9DF3F51BA10A}">
+      <p15:sldGuideLst xmlns:p15="http://schemas.microsoft.com/office/powerpoint/2012/main"/>
+    </p:ext>
+  </p:extLst>
 </p:presentation>
 </file>
 
@@ -3445,10 +3450,10 @@
       </p:sp>
       <p:pic>
         <p:nvPicPr>
-          <p:cNvPr id="9" name="Content Placeholder 8">
-            <a:extLst>
-              <a:ext uri="{FF2B5EF4-FFF2-40B4-BE49-F238E27FC236}">
-                <a16:creationId xmlns:a16="http://schemas.microsoft.com/office/drawing/2014/main" id="{E571C718-41A4-EF4E-9AC6-AA49A4CF406A}"/>
+          <p:cNvPr id="6" name="Content Placeholder 5">
+            <a:extLst>
+              <a:ext uri="{FF2B5EF4-FFF2-40B4-BE49-F238E27FC236}">
+                <a16:creationId xmlns:a16="http://schemas.microsoft.com/office/drawing/2014/main" id="{4FE062E0-0423-E045-AF61-468B096D4F73}"/>
               </a:ext>
             </a:extLst>
           </p:cNvPr>
@@ -3473,8 +3478,8 @@
         </p:blipFill>
         <p:spPr>
           <a:xfrm>
-            <a:off x="838200" y="2457488"/>
-            <a:ext cx="10515600" cy="3087612"/>
+            <a:off x="1017201" y="1797672"/>
+            <a:ext cx="7785100" cy="3048000"/>
           </a:xfrm>
         </p:spPr>
       </p:pic>
@@ -3566,8 +3571,8 @@
         </p:blipFill>
         <p:spPr>
           <a:xfrm>
-            <a:off x="3399075" y="365125"/>
-            <a:ext cx="8278060" cy="6248646"/>
+            <a:off x="2205175" y="117989"/>
+            <a:ext cx="9682025" cy="7308421"/>
           </a:xfrm>
         </p:spPr>
       </p:pic>
